--- a/Powerpoint/Module09-AdvancedParamsAndHelp.pptx
+++ b/Powerpoint/Module09-AdvancedParamsAndHelp.pptx
@@ -120,6 +120,22 @@
       </a:defRPr>
     </a:lvl9pPr>
   </p:defaultTextStyle>
+  <p:extLst>
+    <p:ext uri="{EFAFB233-063F-42B5-8137-9DF3F51BA10A}">
+      <p15:sldGuideLst xmlns:p15="http://schemas.microsoft.com/office/powerpoint/2012/main">
+        <p15:guide id="1" orient="horz" pos="2160">
+          <p15:clr>
+            <a:srgbClr val="A4A3A4"/>
+          </p15:clr>
+        </p15:guide>
+        <p15:guide id="2" pos="2880">
+          <p15:clr>
+            <a:srgbClr val="A4A3A4"/>
+          </p15:clr>
+        </p15:guide>
+      </p15:sldGuideLst>
+    </p:ext>
+  </p:extLst>
 </p:presentation>
 </file>
 
@@ -167,7 +183,7 @@
           </a:lstStyle>
           <a:p>
             <a:r>
-              <a:rPr lang="en-US" smtClean="0"/>
+              <a:rPr lang="en-US"/>
               <a:t>Click to edit Master title style</a:t>
             </a:r>
             <a:endParaRPr lang="en-US" dirty="0"/>
@@ -287,7 +303,7 @@
           </a:lstStyle>
           <a:p>
             <a:r>
-              <a:rPr lang="en-US" smtClean="0"/>
+              <a:rPr lang="en-US"/>
               <a:t>Click to edit Master subtitle style</a:t>
             </a:r>
             <a:endParaRPr lang="en-US" dirty="0"/>
@@ -400,10 +416,9 @@
           <a:lstStyle/>
           <a:p>
             <a:r>
-              <a:rPr lang="en-US" smtClean="0"/>
+              <a:rPr lang="en-US"/>
               <a:t>Click to edit Master title style</a:t>
             </a:r>
-            <a:endParaRPr lang="en-US"/>
           </a:p>
         </p:txBody>
       </p:sp>
@@ -424,38 +439,37 @@
           <a:p>
             <a:pPr lvl="0"/>
             <a:r>
-              <a:rPr lang="en-US" smtClean="0"/>
+              <a:rPr lang="en-US"/>
               <a:t>Click to edit Master text styles</a:t>
             </a:r>
           </a:p>
           <a:p>
             <a:pPr lvl="1"/>
             <a:r>
-              <a:rPr lang="en-US" smtClean="0"/>
+              <a:rPr lang="en-US"/>
               <a:t>Second level</a:t>
             </a:r>
           </a:p>
           <a:p>
             <a:pPr lvl="2"/>
             <a:r>
-              <a:rPr lang="en-US" smtClean="0"/>
+              <a:rPr lang="en-US"/>
               <a:t>Third level</a:t>
             </a:r>
           </a:p>
           <a:p>
             <a:pPr lvl="3"/>
             <a:r>
-              <a:rPr lang="en-US" smtClean="0"/>
+              <a:rPr lang="en-US"/>
               <a:t>Fourth level</a:t>
             </a:r>
           </a:p>
           <a:p>
             <a:pPr lvl="4"/>
             <a:r>
-              <a:rPr lang="en-US" smtClean="0"/>
+              <a:rPr lang="en-US"/>
               <a:t>Fifth level</a:t>
             </a:r>
-            <a:endParaRPr lang="en-US"/>
           </a:p>
         </p:txBody>
       </p:sp>
@@ -493,10 +507,9 @@
           </a:lstStyle>
           <a:p>
             <a:r>
-              <a:rPr lang="en-US" dirty="0" smtClean="0"/>
+              <a:rPr lang="en-US" dirty="0"/>
               <a:t>©Concentrated Technology</a:t>
             </a:r>
-            <a:endParaRPr lang="en-US" dirty="0"/>
           </a:p>
         </p:txBody>
       </p:sp>
@@ -557,7 +570,7 @@
           </a:lstStyle>
           <a:p>
             <a:r>
-              <a:rPr lang="en-US" smtClean="0"/>
+              <a:rPr lang="en-US"/>
               <a:t>Click to edit Master title style</a:t>
             </a:r>
             <a:endParaRPr lang="en-US" dirty="0"/>
@@ -677,7 +690,7 @@
           <a:p>
             <a:pPr lvl="0"/>
             <a:r>
-              <a:rPr lang="en-US" smtClean="0"/>
+              <a:rPr lang="en-US"/>
               <a:t>Click to edit Master text styles</a:t>
             </a:r>
           </a:p>
@@ -752,10 +765,9 @@
           </a:lstStyle>
           <a:p>
             <a:r>
-              <a:rPr lang="en-US" dirty="0" smtClean="0"/>
+              <a:rPr lang="en-US" dirty="0"/>
               <a:t>©Concentrated Technology</a:t>
             </a:r>
-            <a:endParaRPr lang="en-US" dirty="0"/>
           </a:p>
         </p:txBody>
       </p:sp>
@@ -800,10 +812,9 @@
           <a:lstStyle/>
           <a:p>
             <a:r>
-              <a:rPr lang="en-US" smtClean="0"/>
+              <a:rPr lang="en-US"/>
               <a:t>Click to edit Master title style</a:t>
             </a:r>
-            <a:endParaRPr lang="en-US"/>
           </a:p>
         </p:txBody>
       </p:sp>
@@ -857,35 +868,35 @@
           <a:p>
             <a:pPr lvl="0"/>
             <a:r>
-              <a:rPr lang="en-US" smtClean="0"/>
+              <a:rPr lang="en-US"/>
               <a:t>Click to edit Master text styles</a:t>
             </a:r>
           </a:p>
           <a:p>
             <a:pPr lvl="1"/>
             <a:r>
-              <a:rPr lang="en-US" smtClean="0"/>
+              <a:rPr lang="en-US"/>
               <a:t>Second level</a:t>
             </a:r>
           </a:p>
           <a:p>
             <a:pPr lvl="2"/>
             <a:r>
-              <a:rPr lang="en-US" smtClean="0"/>
+              <a:rPr lang="en-US"/>
               <a:t>Third level</a:t>
             </a:r>
           </a:p>
           <a:p>
             <a:pPr lvl="3"/>
             <a:r>
-              <a:rPr lang="en-US" smtClean="0"/>
+              <a:rPr lang="en-US"/>
               <a:t>Fourth level</a:t>
             </a:r>
           </a:p>
           <a:p>
             <a:pPr lvl="4"/>
             <a:r>
-              <a:rPr lang="en-US" smtClean="0"/>
+              <a:rPr lang="en-US"/>
               <a:t>Fifth level</a:t>
             </a:r>
             <a:endParaRPr lang="en-US" dirty="0"/>
@@ -942,35 +953,35 @@
           <a:p>
             <a:pPr lvl="0"/>
             <a:r>
-              <a:rPr lang="en-US" smtClean="0"/>
+              <a:rPr lang="en-US"/>
               <a:t>Click to edit Master text styles</a:t>
             </a:r>
           </a:p>
           <a:p>
             <a:pPr lvl="1"/>
             <a:r>
-              <a:rPr lang="en-US" smtClean="0"/>
+              <a:rPr lang="en-US"/>
               <a:t>Second level</a:t>
             </a:r>
           </a:p>
           <a:p>
             <a:pPr lvl="2"/>
             <a:r>
-              <a:rPr lang="en-US" smtClean="0"/>
+              <a:rPr lang="en-US"/>
               <a:t>Third level</a:t>
             </a:r>
           </a:p>
           <a:p>
             <a:pPr lvl="3"/>
             <a:r>
-              <a:rPr lang="en-US" smtClean="0"/>
+              <a:rPr lang="en-US"/>
               <a:t>Fourth level</a:t>
             </a:r>
           </a:p>
           <a:p>
             <a:pPr lvl="4"/>
             <a:r>
-              <a:rPr lang="en-US" smtClean="0"/>
+              <a:rPr lang="en-US"/>
               <a:t>Fifth level</a:t>
             </a:r>
             <a:endParaRPr lang="en-US" dirty="0"/>
@@ -1011,10 +1022,9 @@
           </a:lstStyle>
           <a:p>
             <a:r>
-              <a:rPr lang="en-US" dirty="0" smtClean="0"/>
+              <a:rPr lang="en-US" dirty="0"/>
               <a:t>©Concentrated Technology</a:t>
             </a:r>
-            <a:endParaRPr lang="en-US" dirty="0"/>
           </a:p>
         </p:txBody>
       </p:sp>
@@ -1063,7 +1073,7 @@
           </a:lstStyle>
           <a:p>
             <a:r>
-              <a:rPr lang="en-US" smtClean="0"/>
+              <a:rPr lang="en-US"/>
               <a:t>Click to edit Master title style</a:t>
             </a:r>
             <a:endParaRPr lang="en-US" dirty="0"/>
@@ -1152,7 +1162,7 @@
           <a:p>
             <a:pPr lvl="0"/>
             <a:r>
-              <a:rPr lang="en-US" smtClean="0"/>
+              <a:rPr lang="en-US"/>
               <a:t>Click to edit Master text styles</a:t>
             </a:r>
           </a:p>
@@ -1208,35 +1218,35 @@
           <a:p>
             <a:pPr lvl="0"/>
             <a:r>
-              <a:rPr lang="en-US" smtClean="0"/>
+              <a:rPr lang="en-US"/>
               <a:t>Click to edit Master text styles</a:t>
             </a:r>
           </a:p>
           <a:p>
             <a:pPr lvl="1"/>
             <a:r>
-              <a:rPr lang="en-US" smtClean="0"/>
+              <a:rPr lang="en-US"/>
               <a:t>Second level</a:t>
             </a:r>
           </a:p>
           <a:p>
             <a:pPr lvl="2"/>
             <a:r>
-              <a:rPr lang="en-US" smtClean="0"/>
+              <a:rPr lang="en-US"/>
               <a:t>Third level</a:t>
             </a:r>
           </a:p>
           <a:p>
             <a:pPr lvl="3"/>
             <a:r>
-              <a:rPr lang="en-US" smtClean="0"/>
+              <a:rPr lang="en-US"/>
               <a:t>Fourth level</a:t>
             </a:r>
           </a:p>
           <a:p>
             <a:pPr lvl="4"/>
             <a:r>
-              <a:rPr lang="en-US" smtClean="0"/>
+              <a:rPr lang="en-US"/>
               <a:t>Fifth level</a:t>
             </a:r>
             <a:endParaRPr lang="en-US" dirty="0"/>
@@ -1328,7 +1338,7 @@
           <a:p>
             <a:pPr lvl="0"/>
             <a:r>
-              <a:rPr lang="en-US" smtClean="0"/>
+              <a:rPr lang="en-US"/>
               <a:t>Click to edit Master text styles</a:t>
             </a:r>
           </a:p>
@@ -1384,35 +1394,35 @@
           <a:p>
             <a:pPr lvl="0"/>
             <a:r>
-              <a:rPr lang="en-US" smtClean="0"/>
+              <a:rPr lang="en-US"/>
               <a:t>Click to edit Master text styles</a:t>
             </a:r>
           </a:p>
           <a:p>
             <a:pPr lvl="1"/>
             <a:r>
-              <a:rPr lang="en-US" smtClean="0"/>
+              <a:rPr lang="en-US"/>
               <a:t>Second level</a:t>
             </a:r>
           </a:p>
           <a:p>
             <a:pPr lvl="2"/>
             <a:r>
-              <a:rPr lang="en-US" smtClean="0"/>
+              <a:rPr lang="en-US"/>
               <a:t>Third level</a:t>
             </a:r>
           </a:p>
           <a:p>
             <a:pPr lvl="3"/>
             <a:r>
-              <a:rPr lang="en-US" smtClean="0"/>
+              <a:rPr lang="en-US"/>
               <a:t>Fourth level</a:t>
             </a:r>
           </a:p>
           <a:p>
             <a:pPr lvl="4"/>
             <a:r>
-              <a:rPr lang="en-US" smtClean="0"/>
+              <a:rPr lang="en-US"/>
               <a:t>Fifth level</a:t>
             </a:r>
             <a:endParaRPr lang="en-US" dirty="0"/>
@@ -1488,10 +1498,9 @@
           </a:lstStyle>
           <a:p>
             <a:r>
-              <a:rPr lang="en-US" dirty="0" smtClean="0"/>
+              <a:rPr lang="en-US" dirty="0"/>
               <a:t>©Concentrated Technology</a:t>
             </a:r>
-            <a:endParaRPr lang="en-US" dirty="0"/>
           </a:p>
         </p:txBody>
       </p:sp>
@@ -1536,10 +1545,9 @@
           <a:lstStyle/>
           <a:p>
             <a:r>
-              <a:rPr lang="en-US" smtClean="0"/>
+              <a:rPr lang="en-US"/>
               <a:t>Click to edit Master title style</a:t>
             </a:r>
-            <a:endParaRPr lang="en-US"/>
           </a:p>
         </p:txBody>
       </p:sp>
@@ -1577,10 +1585,9 @@
           </a:lstStyle>
           <a:p>
             <a:r>
-              <a:rPr lang="en-US" dirty="0" smtClean="0"/>
+              <a:rPr lang="en-US" dirty="0"/>
               <a:t>©Concentrated Technology</a:t>
             </a:r>
-            <a:endParaRPr lang="en-US" dirty="0"/>
           </a:p>
         </p:txBody>
       </p:sp>
@@ -1661,7 +1668,7 @@
           </a:lstStyle>
           <a:p>
             <a:r>
-              <a:rPr lang="en-US" smtClean="0"/>
+              <a:rPr lang="en-US"/>
               <a:t>Click to edit Master title style</a:t>
             </a:r>
             <a:endParaRPr lang="en-US" dirty="0"/>
@@ -1718,35 +1725,35 @@
           <a:p>
             <a:pPr lvl="0"/>
             <a:r>
-              <a:rPr lang="en-US" smtClean="0"/>
+              <a:rPr lang="en-US"/>
               <a:t>Click to edit Master text styles</a:t>
             </a:r>
           </a:p>
           <a:p>
             <a:pPr lvl="1"/>
             <a:r>
-              <a:rPr lang="en-US" smtClean="0"/>
+              <a:rPr lang="en-US"/>
               <a:t>Second level</a:t>
             </a:r>
           </a:p>
           <a:p>
             <a:pPr lvl="2"/>
             <a:r>
-              <a:rPr lang="en-US" smtClean="0"/>
+              <a:rPr lang="en-US"/>
               <a:t>Third level</a:t>
             </a:r>
           </a:p>
           <a:p>
             <a:pPr lvl="3"/>
             <a:r>
-              <a:rPr lang="en-US" smtClean="0"/>
+              <a:rPr lang="en-US"/>
               <a:t>Fourth level</a:t>
             </a:r>
           </a:p>
           <a:p>
             <a:pPr lvl="4"/>
             <a:r>
-              <a:rPr lang="en-US" smtClean="0"/>
+              <a:rPr lang="en-US"/>
               <a:t>Fifth level</a:t>
             </a:r>
             <a:endParaRPr lang="en-US" dirty="0"/>
@@ -1812,7 +1819,7 @@
           <a:p>
             <a:pPr lvl="0"/>
             <a:r>
-              <a:rPr lang="en-US" smtClean="0"/>
+              <a:rPr lang="en-US"/>
               <a:t>Click to edit Master text styles</a:t>
             </a:r>
           </a:p>
@@ -1887,10 +1894,9 @@
           </a:lstStyle>
           <a:p>
             <a:r>
-              <a:rPr lang="en-US" dirty="0" smtClean="0"/>
+              <a:rPr lang="en-US" dirty="0"/>
               <a:t>©Concentrated Technology</a:t>
             </a:r>
-            <a:endParaRPr lang="en-US" dirty="0"/>
           </a:p>
         </p:txBody>
       </p:sp>
@@ -1946,7 +1952,7 @@
           </a:lstStyle>
           <a:p>
             <a:r>
-              <a:rPr lang="en-US" smtClean="0"/>
+              <a:rPr lang="en-US"/>
               <a:t>Click to edit Master title style</a:t>
             </a:r>
             <a:endParaRPr lang="en-US" dirty="0"/>
@@ -2027,7 +2033,7 @@
           </a:lstStyle>
           <a:p>
             <a:r>
-              <a:rPr lang="en-US" smtClean="0"/>
+              <a:rPr lang="en-US"/>
               <a:t>Drag picture to placeholder or click icon to add</a:t>
             </a:r>
             <a:endParaRPr lang="en-US" dirty="0"/>
@@ -2093,7 +2099,7 @@
           <a:p>
             <a:pPr lvl="0"/>
             <a:r>
-              <a:rPr lang="en-US" smtClean="0"/>
+              <a:rPr lang="en-US"/>
               <a:t>Click to edit Master text styles</a:t>
             </a:r>
           </a:p>
@@ -2133,10 +2139,9 @@
           </a:lstStyle>
           <a:p>
             <a:r>
-              <a:rPr lang="en-US" dirty="0" smtClean="0"/>
+              <a:rPr lang="en-US" dirty="0"/>
               <a:t>©Concentrated Technology</a:t>
             </a:r>
-            <a:endParaRPr lang="en-US" dirty="0"/>
           </a:p>
         </p:txBody>
       </p:sp>
@@ -2242,7 +2247,7 @@
           <a:lstStyle/>
           <a:p>
             <a:r>
-              <a:rPr lang="en-US" smtClean="0"/>
+              <a:rPr lang="en-US"/>
               <a:t>Click to edit Master title style</a:t>
             </a:r>
             <a:endParaRPr lang="en-US" dirty="0"/>
@@ -2276,35 +2281,35 @@
           <a:p>
             <a:pPr lvl="0"/>
             <a:r>
-              <a:rPr lang="en-US" smtClean="0"/>
+              <a:rPr lang="en-US"/>
               <a:t>Click to edit Master text styles</a:t>
             </a:r>
           </a:p>
           <a:p>
             <a:pPr lvl="1"/>
             <a:r>
-              <a:rPr lang="en-US" smtClean="0"/>
+              <a:rPr lang="en-US"/>
               <a:t>Second level</a:t>
             </a:r>
           </a:p>
           <a:p>
             <a:pPr lvl="2"/>
             <a:r>
-              <a:rPr lang="en-US" smtClean="0"/>
+              <a:rPr lang="en-US"/>
               <a:t>Third level</a:t>
             </a:r>
           </a:p>
           <a:p>
             <a:pPr lvl="3"/>
             <a:r>
-              <a:rPr lang="en-US" smtClean="0"/>
+              <a:rPr lang="en-US"/>
               <a:t>Fourth level</a:t>
             </a:r>
           </a:p>
           <a:p>
             <a:pPr lvl="4"/>
             <a:r>
-              <a:rPr lang="en-US" smtClean="0"/>
+              <a:rPr lang="en-US"/>
               <a:t>Fifth level</a:t>
             </a:r>
             <a:endParaRPr lang="en-US" dirty="0"/>
@@ -2391,10 +2396,9 @@
           </a:lstStyle>
           <a:p>
             <a:r>
-              <a:rPr lang="en-US" dirty="0" smtClean="0"/>
+              <a:rPr lang="en-US" dirty="0"/>
               <a:t>©Concentrated Technology</a:t>
             </a:r>
-            <a:endParaRPr lang="en-US" dirty="0"/>
           </a:p>
         </p:txBody>
       </p:sp>
@@ -2734,10 +2738,9 @@
           <a:lstStyle/>
           <a:p>
             <a:r>
-              <a:rPr lang="en-US" sz="4000" dirty="0" smtClean="0"/>
+              <a:rPr lang="en-US" sz="4000" dirty="0"/>
               <a:t>Adding Advanced Parameter Attributes and Command Documentation</a:t>
             </a:r>
-            <a:endParaRPr lang="en-US" sz="4000" dirty="0"/>
           </a:p>
         </p:txBody>
       </p:sp>
@@ -2762,10 +2765,9 @@
           <a:lstStyle/>
           <a:p>
             <a:r>
-              <a:rPr lang="en-US" dirty="0" smtClean="0"/>
+              <a:rPr lang="en-US" dirty="0"/>
               <a:t>Module 09</a:t>
             </a:r>
-            <a:endParaRPr lang="en-US" dirty="0"/>
           </a:p>
         </p:txBody>
       </p:sp>
@@ -2815,10 +2817,9 @@
           <a:lstStyle/>
           <a:p>
             <a:r>
-              <a:rPr lang="en-US" dirty="0" smtClean="0"/>
+              <a:rPr lang="en-US" dirty="0"/>
               <a:t>Parameter help</a:t>
             </a:r>
-            <a:endParaRPr lang="en-US" dirty="0"/>
           </a:p>
         </p:txBody>
       </p:sp>
@@ -2846,19 +2847,7 @@
           <a:p>
             <a:r>
               <a:rPr lang="en-US" dirty="0"/>
-              <a:t>P</a:t>
-            </a:r>
-            <a:r>
-              <a:rPr lang="en-US" dirty="0" smtClean="0"/>
-              <a:t>arameter help will </a:t>
-            </a:r>
-            <a:r>
-              <a:rPr lang="en-US" dirty="0"/>
-              <a:t>help folks understand what each parameter is meant to </a:t>
-            </a:r>
-            <a:r>
-              <a:rPr lang="en-US" dirty="0" smtClean="0"/>
-              <a:t>do.</a:t>
+              <a:t>Parameter help will help folks understand what each parameter is meant to do.</a:t>
             </a:r>
           </a:p>
           <a:p>
@@ -2866,10 +2855,9 @@
               <a:buNone/>
             </a:pPr>
             <a:r>
-              <a:rPr lang="en-US" dirty="0" smtClean="0"/>
+              <a:rPr lang="en-US" dirty="0"/>
               <a:t> </a:t>
             </a:r>
-            <a:endParaRPr lang="en-US" dirty="0"/>
           </a:p>
         </p:txBody>
       </p:sp>
@@ -2960,7 +2948,7 @@
           <a:p>
             <a:pPr algn="ctr"/>
             <a:r>
-              <a:rPr lang="en-US" smtClean="0"/>
+              <a:rPr lang="en-US"/>
               <a:t>Lab B</a:t>
             </a:r>
             <a:endParaRPr lang="en-US" dirty="0"/>
@@ -3009,7 +2997,7 @@
           <a:p>
             <a:pPr algn="ctr"/>
             <a:r>
-              <a:rPr lang="en-US" dirty="0" smtClean="0"/>
+              <a:rPr lang="en-US" dirty="0"/>
               <a:t>45 Minutes</a:t>
             </a:r>
           </a:p>
@@ -3020,21 +3008,21 @@
           <a:p>
             <a:pPr algn="ctr"/>
             <a:r>
-              <a:rPr lang="en-US" b="1" dirty="0" smtClean="0"/>
+              <a:rPr lang="en-US" b="1" dirty="0"/>
               <a:t>CLIENT</a:t>
             </a:r>
           </a:p>
           <a:p>
             <a:pPr algn="ctr"/>
             <a:r>
-              <a:rPr lang="en-US" b="1" dirty="0" smtClean="0"/>
+              <a:rPr lang="en-US" b="1" dirty="0"/>
               <a:t>MEMBER</a:t>
             </a:r>
           </a:p>
           <a:p>
             <a:pPr algn="ctr"/>
             <a:r>
-              <a:rPr lang="en-US" b="1" dirty="0" smtClean="0"/>
+              <a:rPr lang="en-US" b="1" dirty="0"/>
               <a:t>DC</a:t>
             </a:r>
           </a:p>
@@ -3045,17 +3033,16 @@
           <a:p>
             <a:pPr algn="ctr"/>
             <a:r>
-              <a:rPr lang="en-US" b="1" dirty="0" smtClean="0"/>
+              <a:rPr lang="en-US" b="1" dirty="0"/>
               <a:t>Administrator</a:t>
             </a:r>
             <a:br>
-              <a:rPr lang="en-US" b="1" dirty="0" smtClean="0"/>
+              <a:rPr lang="en-US" b="1" dirty="0"/>
             </a:br>
             <a:r>
-              <a:rPr lang="en-US" b="1" dirty="0" smtClean="0"/>
+              <a:rPr lang="en-US" b="1" dirty="0"/>
               <a:t>P@ssw0rd</a:t>
             </a:r>
-            <a:endParaRPr lang="en-US" b="1" dirty="0"/>
           </a:p>
         </p:txBody>
       </p:sp>
@@ -3137,11 +3124,11 @@
           <a:lstStyle/>
           <a:p>
             <a:r>
-              <a:rPr lang="en-US" dirty="0" smtClean="0"/>
+              <a:rPr lang="en-US" dirty="0"/>
               <a:t>Designing Support for </a:t>
             </a:r>
             <a:r>
-              <a:rPr lang="en-US" dirty="0" err="1" smtClean="0"/>
+              <a:rPr lang="en-US" dirty="0" err="1"/>
               <a:t>ShouldProcess</a:t>
             </a:r>
             <a:endParaRPr lang="en-US" dirty="0"/>
@@ -3164,10 +3151,9 @@
           <a:lstStyle/>
           <a:p>
             <a:r>
-              <a:rPr lang="en-US" dirty="0" smtClean="0"/>
+              <a:rPr lang="en-US" dirty="0"/>
               <a:t>Lesson 3</a:t>
             </a:r>
-            <a:endParaRPr lang="en-US" dirty="0"/>
           </a:p>
         </p:txBody>
       </p:sp>
@@ -3219,25 +3205,24 @@
           <a:lstStyle/>
           <a:p>
             <a:r>
-              <a:rPr lang="en-US" dirty="0" smtClean="0"/>
+              <a:rPr lang="en-US" dirty="0"/>
               <a:t>The –Confirm and –</a:t>
             </a:r>
             <a:r>
-              <a:rPr lang="en-US" dirty="0" err="1" smtClean="0"/>
+              <a:rPr lang="en-US" dirty="0" err="1"/>
               <a:t>Whatif</a:t>
             </a:r>
             <a:r>
-              <a:rPr lang="en-US" dirty="0" smtClean="0"/>
+              <a:rPr lang="en-US" dirty="0"/>
               <a:t> </a:t>
             </a:r>
             <a:br>
-              <a:rPr lang="en-US" dirty="0" smtClean="0"/>
+              <a:rPr lang="en-US" dirty="0"/>
             </a:br>
             <a:r>
-              <a:rPr lang="en-US" dirty="0" smtClean="0"/>
+              <a:rPr lang="en-US" dirty="0"/>
               <a:t>parameters</a:t>
             </a:r>
-            <a:endParaRPr lang="en-US" dirty="0"/>
           </a:p>
         </p:txBody>
       </p:sp>
@@ -3295,21 +3280,13 @@
           <a:p>
             <a:r>
               <a:rPr lang="en-US" dirty="0"/>
-              <a:t>These parameters should be supported for any command that changes the system state in any </a:t>
-            </a:r>
-            <a:r>
-              <a:rPr lang="en-US" dirty="0" smtClean="0"/>
-              <a:t>way. </a:t>
-            </a:r>
-          </a:p>
-          <a:p>
-            <a:r>
-              <a:rPr lang="en-US" dirty="0"/>
-              <a:t>If you’re writing an advanced function there’s no need to hand code these parameters into your </a:t>
-            </a:r>
-            <a:r>
-              <a:rPr lang="en-US" dirty="0" smtClean="0"/>
-              <a:t>tools.</a:t>
+              <a:t>These parameters should be supported for any command that changes the system state in any way. </a:t>
+            </a:r>
+          </a:p>
+          <a:p>
+            <a:r>
+              <a:rPr lang="en-US" dirty="0"/>
+              <a:t>If you’re writing an advanced function there’s no need to hand code these parameters into your tools.</a:t>
             </a:r>
           </a:p>
           <a:p>
@@ -3343,7 +3320,7 @@
               <a:t> </a:t>
             </a:r>
             <a:r>
-              <a:rPr lang="en-US" dirty="0" err="1" smtClean="0"/>
+              <a:rPr lang="en-US" dirty="0" err="1"/>
               <a:t>ConfirmImpact</a:t>
             </a:r>
             <a:r>
@@ -3352,7 +3329,7 @@
             </a:r>
           </a:p>
           <a:p>
-            <a:endParaRPr lang="en-US" dirty="0" smtClean="0"/>
+            <a:endParaRPr lang="en-US" dirty="0"/>
           </a:p>
           <a:p>
             <a:endParaRPr lang="en-US" dirty="0"/>
@@ -3405,10 +3382,9 @@
           <a:lstStyle/>
           <a:p>
             <a:r>
-              <a:rPr lang="en-US" dirty="0" smtClean="0"/>
+              <a:rPr lang="en-US" dirty="0"/>
               <a:t>Defining impact level</a:t>
             </a:r>
-            <a:endParaRPr lang="en-US" dirty="0"/>
           </a:p>
         </p:txBody>
       </p:sp>
@@ -3454,7 +3430,6 @@
               <a:rPr lang="en-US" dirty="0"/>
               <a:t>()] attribute, are Low, Medium, and High. </a:t>
             </a:r>
-            <a:endParaRPr lang="en-US" dirty="0" smtClean="0"/>
           </a:p>
           <a:p>
             <a:r>
@@ -3477,7 +3452,6 @@
               <a:rPr lang="en-US" dirty="0"/>
               <a:t>. </a:t>
             </a:r>
-            <a:endParaRPr lang="en-US" dirty="0" smtClean="0"/>
           </a:p>
           <a:p>
             <a:r>
@@ -3508,7 +3482,6 @@
               <a:rPr lang="en-US" dirty="0"/>
               <a:t> was specified </a:t>
             </a:r>
-            <a:endParaRPr lang="en-US" dirty="0" smtClean="0"/>
           </a:p>
           <a:p>
             <a:r>
@@ -3544,13 +3517,6 @@
   <p:clrMapOvr>
     <a:masterClrMapping/>
   </p:clrMapOvr>
-  <p:timing>
-    <p:tnLst>
-      <p:par>
-        <p:cTn xmlns:p14="http://schemas.microsoft.com/office/powerpoint/2010/main" id="1" dur="indefinite" restart="never" nodeType="tmRoot"/>
-      </p:par>
-    </p:tnLst>
-  </p:timing>
 </p:sld>
 </file>
 
@@ -3587,11 +3553,11 @@
           <a:lstStyle/>
           <a:p>
             <a:r>
-              <a:rPr lang="en-US" dirty="0" smtClean="0"/>
+              <a:rPr lang="en-US" dirty="0"/>
               <a:t>Implementing </a:t>
             </a:r>
             <a:r>
-              <a:rPr lang="en-US" dirty="0" err="1" smtClean="0"/>
+              <a:rPr lang="en-US" dirty="0" err="1"/>
               <a:t>ShouldProcess</a:t>
             </a:r>
             <a:endParaRPr lang="en-US" dirty="0"/>
@@ -3715,10 +3681,9 @@
           <a:p>
             <a:pPr algn="ctr"/>
             <a:r>
-              <a:rPr lang="en-US" dirty="0" smtClean="0"/>
+              <a:rPr lang="en-US" dirty="0"/>
               <a:t>Lab C</a:t>
             </a:r>
-            <a:endParaRPr lang="en-US" dirty="0"/>
           </a:p>
         </p:txBody>
       </p:sp>
@@ -3764,7 +3729,7 @@
           <a:p>
             <a:pPr algn="ctr"/>
             <a:r>
-              <a:rPr lang="en-US" dirty="0" smtClean="0"/>
+              <a:rPr lang="en-US" dirty="0"/>
               <a:t>15 Minutes</a:t>
             </a:r>
           </a:p>
@@ -3775,21 +3740,21 @@
           <a:p>
             <a:pPr algn="ctr"/>
             <a:r>
-              <a:rPr lang="en-US" b="1" dirty="0" smtClean="0"/>
+              <a:rPr lang="en-US" b="1" dirty="0"/>
               <a:t>CLIENT</a:t>
             </a:r>
           </a:p>
           <a:p>
             <a:pPr algn="ctr"/>
             <a:r>
-              <a:rPr lang="en-US" b="1" dirty="0" smtClean="0"/>
+              <a:rPr lang="en-US" b="1" dirty="0"/>
               <a:t>MEMBER</a:t>
             </a:r>
           </a:p>
           <a:p>
             <a:pPr algn="ctr"/>
             <a:r>
-              <a:rPr lang="en-US" b="1" dirty="0" smtClean="0"/>
+              <a:rPr lang="en-US" b="1" dirty="0"/>
               <a:t>DC</a:t>
             </a:r>
           </a:p>
@@ -3800,17 +3765,16 @@
           <a:p>
             <a:pPr algn="ctr"/>
             <a:r>
-              <a:rPr lang="en-US" b="1" dirty="0" smtClean="0"/>
+              <a:rPr lang="en-US" b="1" dirty="0"/>
               <a:t>Administrator</a:t>
             </a:r>
             <a:br>
-              <a:rPr lang="en-US" b="1" dirty="0" smtClean="0"/>
+              <a:rPr lang="en-US" b="1" dirty="0"/>
             </a:br>
             <a:r>
-              <a:rPr lang="en-US" b="1" dirty="0" smtClean="0"/>
+              <a:rPr lang="en-US" b="1" dirty="0"/>
               <a:t>P@ssw0rd</a:t>
             </a:r>
-            <a:endParaRPr lang="en-US" b="1" dirty="0"/>
           </a:p>
         </p:txBody>
       </p:sp>
@@ -3890,10 +3854,9 @@
           <a:lstStyle/>
           <a:p>
             <a:r>
-              <a:rPr lang="en-US" dirty="0" smtClean="0"/>
+              <a:rPr lang="en-US" dirty="0"/>
               <a:t>Conclusion</a:t>
             </a:r>
-            <a:endParaRPr lang="en-US" dirty="0"/>
           </a:p>
         </p:txBody>
       </p:sp>
@@ -3924,27 +3887,17 @@
               <a:rPr lang="en-US" dirty="0"/>
               <a:t> module. </a:t>
             </a:r>
-            <a:endParaRPr lang="en-US" dirty="0" smtClean="0"/>
-          </a:p>
-          <a:p>
-            <a:r>
-              <a:rPr lang="en-US" dirty="0" smtClean="0"/>
-              <a:t>Your </a:t>
-            </a:r>
-            <a:r>
-              <a:rPr lang="en-US" dirty="0"/>
-              <a:t>functions look, feel, and work just like native PowerShell cmdlets – and that’s a huge accomplishment. </a:t>
-            </a:r>
-            <a:endParaRPr lang="en-US" dirty="0" smtClean="0"/>
-          </a:p>
-          <a:p>
-            <a:r>
-              <a:rPr lang="en-US" dirty="0" smtClean="0"/>
-              <a:t>Now </a:t>
-            </a:r>
-            <a:r>
-              <a:rPr lang="en-US" dirty="0"/>
-              <a:t>it’s time to start writing scripts that put those tools to use. </a:t>
+          </a:p>
+          <a:p>
+            <a:r>
+              <a:rPr lang="en-US" dirty="0"/>
+              <a:t>Your functions look, feel, and work just like native PowerShell cmdlets – and that’s a huge accomplishment. </a:t>
+            </a:r>
+          </a:p>
+          <a:p>
+            <a:r>
+              <a:rPr lang="en-US" dirty="0"/>
+              <a:t>Now it’s time to start writing scripts that put those tools to use. </a:t>
             </a:r>
           </a:p>
         </p:txBody>
@@ -3995,10 +3948,9 @@
           <a:lstStyle/>
           <a:p>
             <a:r>
-              <a:rPr lang="en-US" dirty="0" smtClean="0"/>
+              <a:rPr lang="en-US" dirty="0"/>
               <a:t>Designing Documentation</a:t>
             </a:r>
-            <a:endParaRPr lang="en-US" dirty="0"/>
           </a:p>
         </p:txBody>
       </p:sp>
@@ -4018,10 +3970,9 @@
           <a:lstStyle/>
           <a:p>
             <a:r>
-              <a:rPr lang="en-US" dirty="0" smtClean="0"/>
+              <a:rPr lang="en-US" dirty="0"/>
               <a:t>Lesson 1</a:t>
             </a:r>
-            <a:endParaRPr lang="en-US" dirty="0"/>
           </a:p>
         </p:txBody>
       </p:sp>
@@ -4071,10 +4022,9 @@
           <a:lstStyle/>
           <a:p>
             <a:r>
-              <a:rPr lang="en-US" dirty="0" smtClean="0"/>
+              <a:rPr lang="en-US" dirty="0"/>
               <a:t>Comment-based help</a:t>
             </a:r>
-            <a:endParaRPr lang="en-US" dirty="0"/>
           </a:p>
         </p:txBody>
       </p:sp>
@@ -4097,37 +4047,21 @@
           <a:p>
             <a:r>
               <a:rPr lang="en-US" dirty="0"/>
-              <a:t>Y</a:t>
-            </a:r>
-            <a:r>
-              <a:rPr lang="en-US" dirty="0" smtClean="0"/>
-              <a:t>ou </a:t>
-            </a:r>
-            <a:r>
-              <a:rPr lang="en-US" dirty="0"/>
-              <a:t>can read more about it by running help </a:t>
-            </a:r>
-            <a:r>
-              <a:rPr lang="en-US" dirty="0" err="1" smtClean="0"/>
+              <a:t>You can read more about it by running help </a:t>
+            </a:r>
+            <a:r>
+              <a:rPr lang="en-US" dirty="0" err="1"/>
               <a:t>about_comment_based_help</a:t>
             </a:r>
             <a:r>
-              <a:rPr lang="en-US" dirty="0" smtClean="0"/>
+              <a:rPr lang="en-US" dirty="0"/>
               <a:t>. </a:t>
             </a:r>
           </a:p>
           <a:p>
             <a:r>
               <a:rPr lang="en-US" dirty="0"/>
-              <a:t>P</a:t>
-            </a:r>
-            <a:r>
-              <a:rPr lang="en-US" dirty="0" smtClean="0"/>
-              <a:t>ut </a:t>
-            </a:r>
-            <a:r>
-              <a:rPr lang="en-US" dirty="0"/>
-              <a:t>the help immediately after our function’s name but before the [</a:t>
+              <a:t>Put the help immediately after our function’s name but before the [</a:t>
             </a:r>
             <a:r>
               <a:rPr lang="en-US" dirty="0" err="1"/>
@@ -4135,11 +4069,7 @@
             </a:r>
             <a:r>
               <a:rPr lang="en-US" dirty="0"/>
-              <a:t>()] </a:t>
-            </a:r>
-            <a:r>
-              <a:rPr lang="en-US" dirty="0" smtClean="0"/>
-              <a:t>attribute. </a:t>
+              <a:t>()] attribute. </a:t>
             </a:r>
           </a:p>
           <a:p>
@@ -4153,11 +4083,7 @@
             </a:r>
             <a:r>
               <a:rPr lang="en-US" dirty="0"/>
-              <a:t> </a:t>
-            </a:r>
-            <a:r>
-              <a:rPr lang="en-US" dirty="0" smtClean="0"/>
-              <a:t>characters. </a:t>
+              <a:t> characters. </a:t>
             </a:r>
           </a:p>
           <a:p>
@@ -4165,48 +4091,22 @@
               <a:rPr lang="en-US" dirty="0"/>
               <a:t>The comment-based help is broken into sections, each of which starts with a specific keyword. </a:t>
             </a:r>
-            <a:endParaRPr lang="en-US" dirty="0" smtClean="0"/>
-          </a:p>
-          <a:p>
-            <a:r>
-              <a:rPr lang="en-US" dirty="0"/>
-              <a:t>T</a:t>
-            </a:r>
-            <a:r>
-              <a:rPr lang="en-US" dirty="0" smtClean="0"/>
-              <a:t>he </a:t>
-            </a:r>
-            <a:r>
-              <a:rPr lang="en-US" dirty="0"/>
-              <a:t>.PARAMETER section is included for each parameter </a:t>
-            </a:r>
-            <a:r>
-              <a:rPr lang="en-US" dirty="0" smtClean="0"/>
-              <a:t>and is </a:t>
-            </a:r>
-            <a:r>
-              <a:rPr lang="en-US" dirty="0"/>
-              <a:t>followed by the parameter’s name. </a:t>
-            </a:r>
-            <a:endParaRPr lang="en-US" dirty="0" smtClean="0"/>
+          </a:p>
+          <a:p>
+            <a:r>
+              <a:rPr lang="en-US" dirty="0"/>
+              <a:t>The .PARAMETER section is included for each parameter and is followed by the parameter’s name. </a:t>
+            </a:r>
           </a:p>
           <a:p>
             <a:pPr lvl="0"/>
             <a:r>
               <a:rPr lang="en-US" dirty="0"/>
-              <a:t>The .EXAMPLE sections aren’t </a:t>
-            </a:r>
-            <a:r>
-              <a:rPr lang="en-US" dirty="0" smtClean="0"/>
-              <a:t>numbered -  </a:t>
-            </a:r>
-            <a:r>
-              <a:rPr lang="en-US" dirty="0"/>
-              <a:t>PowerShell will sequentially number them for us.</a:t>
-            </a:r>
-          </a:p>
-          <a:p>
-            <a:endParaRPr lang="en-US" dirty="0" smtClean="0"/>
+              <a:t>The .EXAMPLE sections aren’t numbered -  PowerShell will sequentially number them for us.</a:t>
+            </a:r>
+          </a:p>
+          <a:p>
+            <a:endParaRPr lang="en-US" dirty="0"/>
           </a:p>
           <a:p>
             <a:endParaRPr lang="en-US" dirty="0"/>
@@ -4290,10 +4190,9 @@
           <a:p>
             <a:pPr algn="ctr"/>
             <a:r>
-              <a:rPr lang="en-US" dirty="0" smtClean="0"/>
+              <a:rPr lang="en-US" dirty="0"/>
               <a:t>Lab A</a:t>
             </a:r>
-            <a:endParaRPr lang="en-US" dirty="0"/>
           </a:p>
         </p:txBody>
       </p:sp>
@@ -4339,7 +4238,7 @@
           <a:p>
             <a:pPr algn="ctr"/>
             <a:r>
-              <a:rPr lang="en-US" dirty="0" smtClean="0"/>
+              <a:rPr lang="en-US" dirty="0"/>
               <a:t>30 Minutes</a:t>
             </a:r>
           </a:p>
@@ -4350,21 +4249,21 @@
           <a:p>
             <a:pPr algn="ctr"/>
             <a:r>
-              <a:rPr lang="en-US" b="1" dirty="0" smtClean="0"/>
+              <a:rPr lang="en-US" b="1" dirty="0"/>
               <a:t>CLIENT</a:t>
             </a:r>
           </a:p>
           <a:p>
             <a:pPr algn="ctr"/>
             <a:r>
-              <a:rPr lang="en-US" b="1" dirty="0" smtClean="0"/>
+              <a:rPr lang="en-US" b="1" dirty="0"/>
               <a:t>MEMBER</a:t>
             </a:r>
           </a:p>
           <a:p>
             <a:pPr algn="ctr"/>
             <a:r>
-              <a:rPr lang="en-US" b="1" dirty="0" smtClean="0"/>
+              <a:rPr lang="en-US" b="1" dirty="0"/>
               <a:t>DC</a:t>
             </a:r>
           </a:p>
@@ -4375,17 +4274,16 @@
           <a:p>
             <a:pPr algn="ctr"/>
             <a:r>
-              <a:rPr lang="en-US" b="1" dirty="0" smtClean="0"/>
+              <a:rPr lang="en-US" b="1" dirty="0"/>
               <a:t>Administrator</a:t>
             </a:r>
             <a:br>
-              <a:rPr lang="en-US" b="1" dirty="0" smtClean="0"/>
+              <a:rPr lang="en-US" b="1" dirty="0"/>
             </a:br>
             <a:r>
-              <a:rPr lang="en-US" b="1" dirty="0" smtClean="0"/>
+              <a:rPr lang="en-US" b="1" dirty="0"/>
               <a:t>P@ssw0rd</a:t>
             </a:r>
-            <a:endParaRPr lang="en-US" b="1" dirty="0"/>
           </a:p>
         </p:txBody>
       </p:sp>
@@ -4467,10 +4365,9 @@
           <a:lstStyle/>
           <a:p>
             <a:r>
-              <a:rPr lang="en-US" dirty="0" smtClean="0"/>
+              <a:rPr lang="en-US" dirty="0"/>
               <a:t>Designing Advanced Parameter Attributes</a:t>
             </a:r>
-            <a:endParaRPr lang="en-US" dirty="0"/>
           </a:p>
         </p:txBody>
       </p:sp>
@@ -4490,10 +4387,9 @@
           <a:lstStyle/>
           <a:p>
             <a:r>
-              <a:rPr lang="en-US" dirty="0" smtClean="0"/>
+              <a:rPr lang="en-US" dirty="0"/>
               <a:t>Lesson 2</a:t>
             </a:r>
-            <a:endParaRPr lang="en-US" dirty="0"/>
           </a:p>
         </p:txBody>
       </p:sp>
@@ -4543,10 +4439,9 @@
           <a:lstStyle/>
           <a:p>
             <a:r>
-              <a:rPr lang="en-US" dirty="0" smtClean="0"/>
+              <a:rPr lang="en-US" dirty="0"/>
               <a:t>Making parameters mandatory</a:t>
             </a:r>
-            <a:endParaRPr lang="en-US" dirty="0"/>
           </a:p>
         </p:txBody>
       </p:sp>
@@ -4571,12 +4466,8 @@
           <a:lstStyle/>
           <a:p>
             <a:r>
-              <a:rPr lang="en-US" dirty="0" smtClean="0"/>
-              <a:t>Add </a:t>
-            </a:r>
-            <a:r>
-              <a:rPr lang="en-US" dirty="0"/>
-              <a:t>a [Parameter()] attribute to the $</a:t>
+              <a:rPr lang="en-US" dirty="0"/>
+              <a:t>Add a [Parameter()] attribute to the $</a:t>
             </a:r>
             <a:r>
               <a:rPr lang="en-US" dirty="0" err="1"/>
@@ -4584,15 +4475,7 @@
             </a:r>
             <a:r>
               <a:rPr lang="en-US" dirty="0"/>
-              <a:t> parameter. Inside that attribute</a:t>
-            </a:r>
-            <a:r>
-              <a:rPr lang="en-US" dirty="0" smtClean="0"/>
-              <a:t>, </a:t>
-            </a:r>
-            <a:r>
-              <a:rPr lang="en-US" dirty="0"/>
-              <a:t>indicated that the parameter is mandatory. </a:t>
+              <a:t> parameter. Inside that attribute, indicated that the parameter is mandatory. </a:t>
             </a:r>
           </a:p>
         </p:txBody>
@@ -4713,10 +4596,9 @@
           <a:lstStyle/>
           <a:p>
             <a:r>
-              <a:rPr lang="en-US" dirty="0" smtClean="0"/>
+              <a:rPr lang="en-US" dirty="0"/>
               <a:t>Verbose output</a:t>
             </a:r>
-            <a:endParaRPr lang="en-US" dirty="0"/>
           </a:p>
         </p:txBody>
       </p:sp>
@@ -4737,24 +4619,12 @@
           <a:p>
             <a:r>
               <a:rPr lang="en-US" dirty="0"/>
-              <a:t>PowerShell provides a specific way to write visual feedback </a:t>
-            </a:r>
-            <a:r>
-              <a:rPr lang="en-US" dirty="0" smtClean="0"/>
-              <a:t>messages </a:t>
-            </a:r>
-            <a:r>
-              <a:rPr lang="en-US" dirty="0"/>
-              <a:t>without messing up the tool’s intended </a:t>
-            </a:r>
-            <a:r>
-              <a:rPr lang="en-US" dirty="0" smtClean="0"/>
-              <a:t>output.</a:t>
-            </a:r>
-          </a:p>
-          <a:p>
-            <a:r>
-              <a:rPr lang="en-US" dirty="0" smtClean="0"/>
+              <a:t>PowerShell provides a specific way to write visual feedback messages without messing up the tool’s intended output.</a:t>
+            </a:r>
+          </a:p>
+          <a:p>
+            <a:r>
+              <a:rPr lang="en-US" dirty="0"/>
               <a:t>Write-Verbose </a:t>
             </a:r>
           </a:p>
@@ -4767,7 +4637,6 @@
               <a:rPr lang="en-US" dirty="0"/>
               <a:t> </a:t>
             </a:r>
-            <a:endParaRPr lang="en-US" dirty="0" smtClean="0"/>
           </a:p>
           <a:p>
             <a:r>
@@ -4800,7 +4669,7 @@
             </a:r>
           </a:p>
           <a:p>
-            <a:endParaRPr lang="en-US" dirty="0" smtClean="0"/>
+            <a:endParaRPr lang="en-US" dirty="0"/>
           </a:p>
           <a:p>
             <a:endParaRPr lang="en-US" dirty="0"/>
@@ -4883,10 +4752,9 @@
           <a:lstStyle/>
           <a:p>
             <a:r>
-              <a:rPr lang="en-US" dirty="0" smtClean="0"/>
+              <a:rPr lang="en-US" dirty="0"/>
               <a:t>Parameter aliases</a:t>
             </a:r>
-            <a:endParaRPr lang="en-US" dirty="0"/>
           </a:p>
         </p:txBody>
       </p:sp>
@@ -4911,26 +4779,9 @@
           <a:lstStyle/>
           <a:p>
             <a:r>
-              <a:rPr lang="en-US" dirty="0" smtClean="0"/>
-              <a:t>The </a:t>
-            </a:r>
-            <a:r>
-              <a:rPr lang="en-US" dirty="0"/>
-              <a:t>[Alias()] attribute </a:t>
-            </a:r>
-            <a:r>
-              <a:rPr lang="en-US" dirty="0" smtClean="0"/>
-              <a:t>can be added so a parameter </a:t>
-            </a:r>
-            <a:r>
-              <a:rPr lang="en-US" dirty="0"/>
-              <a:t>can also be referred to </a:t>
-            </a:r>
-            <a:r>
-              <a:rPr lang="en-US" dirty="0" smtClean="0"/>
-              <a:t>as another name. </a:t>
-            </a:r>
-            <a:endParaRPr lang="en-US" dirty="0"/>
+              <a:rPr lang="en-US" dirty="0"/>
+              <a:t>The [Alias()] attribute can be added so a parameter can also be referred to as another name. </a:t>
+            </a:r>
           </a:p>
         </p:txBody>
       </p:sp>
@@ -5050,10 +4901,9 @@
           <a:lstStyle/>
           <a:p>
             <a:r>
-              <a:rPr lang="en-US" dirty="0" smtClean="0"/>
+              <a:rPr lang="en-US" dirty="0"/>
               <a:t>Parameter validation</a:t>
             </a:r>
-            <a:endParaRPr lang="en-US" dirty="0"/>
           </a:p>
         </p:txBody>
       </p:sp>
@@ -5078,26 +4928,9 @@
           <a:lstStyle/>
           <a:p>
             <a:r>
-              <a:rPr lang="en-US" dirty="0" smtClean="0"/>
-              <a:t>The validation </a:t>
-            </a:r>
-            <a:r>
-              <a:rPr lang="en-US" dirty="0"/>
-              <a:t>attribute </a:t>
-            </a:r>
-            <a:r>
-              <a:rPr lang="en-US" dirty="0" smtClean="0"/>
-              <a:t>will </a:t>
-            </a:r>
-            <a:r>
-              <a:rPr lang="en-US" dirty="0"/>
-              <a:t>only accept </a:t>
-            </a:r>
-            <a:r>
-              <a:rPr lang="en-US" dirty="0" smtClean="0"/>
-              <a:t>a specified number of arguments.</a:t>
-            </a:r>
-            <a:endParaRPr lang="en-US" dirty="0"/>
+              <a:rPr lang="en-US" dirty="0"/>
+              <a:t>The validation attribute will only accept a specified number of arguments.</a:t>
+            </a:r>
           </a:p>
         </p:txBody>
       </p:sp>
